--- a/week_08/case_study_08.pptx
+++ b/week_08/case_study_08.pptx
@@ -3748,6 +3748,164 @@
             </a:pPr>
             <a:r>
               <a:rPr>
+                <a:solidFill>
+                  <a:srgbClr val="06287E"/>
+                </a:solidFill>
+                <a:latin typeface="Courier"/>
+              </a:rPr>
+              <a:t>library</a:t>
+            </a:r>
+            <a:r>
+              <a:rPr>
+                <a:latin typeface="Courier"/>
+              </a:rPr>
+              <a:t>(dplyr)</a:t>
+            </a:r>
+            <a:br/>
+            <a:r>
+              <a:rPr>
+                <a:latin typeface="Courier"/>
+              </a:rPr>
+              <a:t>processed</a:t>
+            </a:r>
+            <a:r>
+              <a:rPr>
+                <a:solidFill>
+                  <a:srgbClr val="007020"/>
+                </a:solidFill>
+                <a:latin typeface="Courier"/>
+              </a:rPr>
+              <a:t>=</a:t>
+            </a:r>
+            <a:r>
+              <a:rPr>
+                <a:latin typeface="Courier"/>
+              </a:rPr>
+              <a:t>temp</a:t>
+            </a:r>
+            <a:r>
+              <a:rPr>
+                <a:solidFill>
+                  <a:srgbClr val="4070A0"/>
+                </a:solidFill>
+                <a:latin typeface="Courier"/>
+              </a:rPr>
+              <a:t>%&gt;%</a:t>
+            </a:r>
+            <a:r>
+              <a:rPr>
+                <a:solidFill>
+                  <a:srgbClr val="06287E"/>
+                </a:solidFill>
+                <a:latin typeface="Courier"/>
+              </a:rPr>
+              <a:t>arrange</a:t>
+            </a:r>
+            <a:r>
+              <a:rPr>
+                <a:latin typeface="Courier"/>
+              </a:rPr>
+              <a:t>(</a:t>
+            </a:r>
+            <a:r>
+              <a:rPr>
+                <a:solidFill>
+                  <a:srgbClr val="06287E"/>
+                </a:solidFill>
+                <a:latin typeface="Courier"/>
+              </a:rPr>
+              <a:t>desc</a:t>
+            </a:r>
+            <a:r>
+              <a:rPr>
+                <a:latin typeface="Courier"/>
+              </a:rPr>
+              <a:t>(mean))</a:t>
+            </a:r>
+            <a:r>
+              <a:rPr>
+                <a:solidFill>
+                  <a:srgbClr val="4070A0"/>
+                </a:solidFill>
+                <a:latin typeface="Courier"/>
+              </a:rPr>
+              <a:t>%&gt;%</a:t>
+            </a:r>
+            <a:r>
+              <a:rPr>
+                <a:solidFill>
+                  <a:srgbClr val="06287E"/>
+                </a:solidFill>
+                <a:latin typeface="Courier"/>
+              </a:rPr>
+              <a:t>select</a:t>
+            </a:r>
+            <a:r>
+              <a:rPr>
+                <a:latin typeface="Courier"/>
+              </a:rPr>
+              <a:t>(year,mean)</a:t>
+            </a:r>
+            <a:r>
+              <a:rPr>
+                <a:solidFill>
+                  <a:srgbClr val="4070A0"/>
+                </a:solidFill>
+                <a:latin typeface="Courier"/>
+              </a:rPr>
+              <a:t>%&gt;%</a:t>
+            </a:r>
+            <a:r>
+              <a:rPr>
+                <a:solidFill>
+                  <a:srgbClr val="06287E"/>
+                </a:solidFill>
+                <a:latin typeface="Courier"/>
+              </a:rPr>
+              <a:t>slice</a:t>
+            </a:r>
+            <a:r>
+              <a:rPr>
+                <a:latin typeface="Courier"/>
+              </a:rPr>
+              <a:t>(</a:t>
+            </a:r>
+            <a:r>
+              <a:rPr>
+                <a:solidFill>
+                  <a:srgbClr val="40A070"/>
+                </a:solidFill>
+                <a:latin typeface="Courier"/>
+              </a:rPr>
+              <a:t>1</a:t>
+            </a:r>
+            <a:r>
+              <a:rPr>
+                <a:solidFill>
+                  <a:srgbClr val="4070A0"/>
+                </a:solidFill>
+                <a:latin typeface="Courier"/>
+              </a:rPr>
+              <a:t>:</a:t>
+            </a:r>
+            <a:r>
+              <a:rPr>
+                <a:solidFill>
+                  <a:srgbClr val="40A070"/>
+                </a:solidFill>
+                <a:latin typeface="Courier"/>
+              </a:rPr>
+              <a:t>5</a:t>
+            </a:r>
+            <a:r>
+              <a:rPr>
+                <a:latin typeface="Courier"/>
+              </a:rPr>
+              <a:t>)</a:t>
+            </a:r>
+            <a:br/>
+            <a:r>
+              <a:rPr>
                 <a:latin typeface="Courier"/>
               </a:rPr>
               <a:t>knitr</a:t>
@@ -3774,7 +3932,7 @@
               <a:rPr>
                 <a:latin typeface="Courier"/>
               </a:rPr>
-              <a:t>(temp,</a:t>
+              <a:t>(processed,</a:t>
             </a:r>
             <a:r>
               <a:rPr>
@@ -3815,9 +3973,8 @@
                 <a:tableStyleId>{5C22544A-7EE6-4342-B048-85BDC9FD1C3A}</a:tableStyleId>
               </a:tblPr>
               <a:tblGrid>
-                <a:gridCol w="1701800"/>
-                <a:gridCol w="1701800"/>
-                <a:gridCol w="1701800"/>
+                <a:gridCol w="2552700"/>
+                <a:gridCol w="2552700"/>
               </a:tblGrid>
               <a:tr h="0">
                 <a:tc>
@@ -3852,22 +4009,6 @@
                   </a:txBody>
                   <a:tcPr/>
                 </a:tc>
-                <a:tc>
-                  <a:txBody>
-                    <a:bodyPr/>
-                    <a:lstStyle/>
-                    <a:p>
-                      <a:pPr lvl="0" indent="0" marL="0" algn="r">
-                        <a:buNone/>
-                      </a:pPr>
-                      <a:r>
-                        <a:rPr/>
-                        <a:t>unc</a:t>
-                      </a:r>
-                    </a:p>
-                  </a:txBody>
-                  <a:tcPr/>
-                </a:tc>
               </a:tr>
               <a:tr h="0">
                 <a:tc>
@@ -3880,7 +4021,7 @@
                       </a:pPr>
                       <a:r>
                         <a:rPr/>
-                        <a:t>1959</a:t>
+                        <a:t>2021</a:t>
                       </a:r>
                     </a:p>
                   </a:txBody>
@@ -3895,22 +4036,7 @@
                       </a:pPr>
                       <a:r>
                         <a:rPr/>
-                        <a:t>315.98</a:t>
-                      </a:r>
-                    </a:p>
-                  </a:txBody>
-                </a:tc>
-                <a:tc>
-                  <a:txBody>
-                    <a:bodyPr/>
-                    <a:lstStyle/>
-                    <a:p>
-                      <a:pPr lvl="0" indent="0" marL="0" algn="r">
-                        <a:buNone/>
-                      </a:pPr>
-                      <a:r>
-                        <a:rPr/>
-                        <a:t>0.12</a:t>
+                        <a:t>416.45</a:t>
                       </a:r>
                     </a:p>
                   </a:txBody>
@@ -3927,7 +4053,7 @@
                       </a:pPr>
                       <a:r>
                         <a:rPr/>
-                        <a:t>1960</a:t>
+                        <a:t>2020</a:t>
                       </a:r>
                     </a:p>
                   </a:txBody>
@@ -3942,22 +4068,7 @@
                       </a:pPr>
                       <a:r>
                         <a:rPr/>
-                        <a:t>316.91</a:t>
-                      </a:r>
-                    </a:p>
-                  </a:txBody>
-                </a:tc>
-                <a:tc>
-                  <a:txBody>
-                    <a:bodyPr/>
-                    <a:lstStyle/>
-                    <a:p>
-                      <a:pPr lvl="0" indent="0" marL="0" algn="r">
-                        <a:buNone/>
-                      </a:pPr>
-                      <a:r>
-                        <a:rPr/>
-                        <a:t>0.12</a:t>
+                        <a:t>414.24</a:t>
                       </a:r>
                     </a:p>
                   </a:txBody>
@@ -3974,7 +4085,7 @@
                       </a:pPr>
                       <a:r>
                         <a:rPr/>
-                        <a:t>1961</a:t>
+                        <a:t>2019</a:t>
                       </a:r>
                     </a:p>
                   </a:txBody>
@@ -3989,2654 +4100,7 @@
                       </a:pPr>
                       <a:r>
                         <a:rPr/>
-                        <a:t>317.64</a:t>
-                      </a:r>
-                    </a:p>
-                  </a:txBody>
-                </a:tc>
-                <a:tc>
-                  <a:txBody>
-                    <a:bodyPr/>
-                    <a:lstStyle/>
-                    <a:p>
-                      <a:pPr lvl="0" indent="0" marL="0" algn="r">
-                        <a:buNone/>
-                      </a:pPr>
-                      <a:r>
-                        <a:rPr/>
-                        <a:t>0.12</a:t>
-                      </a:r>
-                    </a:p>
-                  </a:txBody>
-                </a:tc>
-              </a:tr>
-              <a:tr h="0">
-                <a:tc>
-                  <a:txBody>
-                    <a:bodyPr/>
-                    <a:lstStyle/>
-                    <a:p>
-                      <a:pPr lvl="0" indent="0" marL="0" algn="r">
-                        <a:buNone/>
-                      </a:pPr>
-                      <a:r>
-                        <a:rPr/>
-                        <a:t>1962</a:t>
-                      </a:r>
-                    </a:p>
-                  </a:txBody>
-                </a:tc>
-                <a:tc>
-                  <a:txBody>
-                    <a:bodyPr/>
-                    <a:lstStyle/>
-                    <a:p>
-                      <a:pPr lvl="0" indent="0" marL="0" algn="r">
-                        <a:buNone/>
-                      </a:pPr>
-                      <a:r>
-                        <a:rPr/>
-                        <a:t>318.45</a:t>
-                      </a:r>
-                    </a:p>
-                  </a:txBody>
-                </a:tc>
-                <a:tc>
-                  <a:txBody>
-                    <a:bodyPr/>
-                    <a:lstStyle/>
-                    <a:p>
-                      <a:pPr lvl="0" indent="0" marL="0" algn="r">
-                        <a:buNone/>
-                      </a:pPr>
-                      <a:r>
-                        <a:rPr/>
-                        <a:t>0.12</a:t>
-                      </a:r>
-                    </a:p>
-                  </a:txBody>
-                </a:tc>
-              </a:tr>
-              <a:tr h="0">
-                <a:tc>
-                  <a:txBody>
-                    <a:bodyPr/>
-                    <a:lstStyle/>
-                    <a:p>
-                      <a:pPr lvl="0" indent="0" marL="0" algn="r">
-                        <a:buNone/>
-                      </a:pPr>
-                      <a:r>
-                        <a:rPr/>
-                        <a:t>1963</a:t>
-                      </a:r>
-                    </a:p>
-                  </a:txBody>
-                </a:tc>
-                <a:tc>
-                  <a:txBody>
-                    <a:bodyPr/>
-                    <a:lstStyle/>
-                    <a:p>
-                      <a:pPr lvl="0" indent="0" marL="0" algn="r">
-                        <a:buNone/>
-                      </a:pPr>
-                      <a:r>
-                        <a:rPr/>
-                        <a:t>318.99</a:t>
-                      </a:r>
-                    </a:p>
-                  </a:txBody>
-                </a:tc>
-                <a:tc>
-                  <a:txBody>
-                    <a:bodyPr/>
-                    <a:lstStyle/>
-                    <a:p>
-                      <a:pPr lvl="0" indent="0" marL="0" algn="r">
-                        <a:buNone/>
-                      </a:pPr>
-                      <a:r>
-                        <a:rPr/>
-                        <a:t>0.12</a:t>
-                      </a:r>
-                    </a:p>
-                  </a:txBody>
-                </a:tc>
-              </a:tr>
-              <a:tr h="0">
-                <a:tc>
-                  <a:txBody>
-                    <a:bodyPr/>
-                    <a:lstStyle/>
-                    <a:p>
-                      <a:pPr lvl="0" indent="0" marL="0" algn="r">
-                        <a:buNone/>
-                      </a:pPr>
-                      <a:r>
-                        <a:rPr/>
-                        <a:t>1964</a:t>
-                      </a:r>
-                    </a:p>
-                  </a:txBody>
-                </a:tc>
-                <a:tc>
-                  <a:txBody>
-                    <a:bodyPr/>
-                    <a:lstStyle/>
-                    <a:p>
-                      <a:pPr lvl="0" indent="0" marL="0" algn="r">
-                        <a:buNone/>
-                      </a:pPr>
-                      <a:r>
-                        <a:rPr/>
-                        <a:t>319.62</a:t>
-                      </a:r>
-                    </a:p>
-                  </a:txBody>
-                </a:tc>
-                <a:tc>
-                  <a:txBody>
-                    <a:bodyPr/>
-                    <a:lstStyle/>
-                    <a:p>
-                      <a:pPr lvl="0" indent="0" marL="0" algn="r">
-                        <a:buNone/>
-                      </a:pPr>
-                      <a:r>
-                        <a:rPr/>
-                        <a:t>0.12</a:t>
-                      </a:r>
-                    </a:p>
-                  </a:txBody>
-                </a:tc>
-              </a:tr>
-              <a:tr h="0">
-                <a:tc>
-                  <a:txBody>
-                    <a:bodyPr/>
-                    <a:lstStyle/>
-                    <a:p>
-                      <a:pPr lvl="0" indent="0" marL="0" algn="r">
-                        <a:buNone/>
-                      </a:pPr>
-                      <a:r>
-                        <a:rPr/>
-                        <a:t>1965</a:t>
-                      </a:r>
-                    </a:p>
-                  </a:txBody>
-                </a:tc>
-                <a:tc>
-                  <a:txBody>
-                    <a:bodyPr/>
-                    <a:lstStyle/>
-                    <a:p>
-                      <a:pPr lvl="0" indent="0" marL="0" algn="r">
-                        <a:buNone/>
-                      </a:pPr>
-                      <a:r>
-                        <a:rPr/>
-                        <a:t>320.04</a:t>
-                      </a:r>
-                    </a:p>
-                  </a:txBody>
-                </a:tc>
-                <a:tc>
-                  <a:txBody>
-                    <a:bodyPr/>
-                    <a:lstStyle/>
-                    <a:p>
-                      <a:pPr lvl="0" indent="0" marL="0" algn="r">
-                        <a:buNone/>
-                      </a:pPr>
-                      <a:r>
-                        <a:rPr/>
-                        <a:t>0.12</a:t>
-                      </a:r>
-                    </a:p>
-                  </a:txBody>
-                </a:tc>
-              </a:tr>
-              <a:tr h="0">
-                <a:tc>
-                  <a:txBody>
-                    <a:bodyPr/>
-                    <a:lstStyle/>
-                    <a:p>
-                      <a:pPr lvl="0" indent="0" marL="0" algn="r">
-                        <a:buNone/>
-                      </a:pPr>
-                      <a:r>
-                        <a:rPr/>
-                        <a:t>1966</a:t>
-                      </a:r>
-                    </a:p>
-                  </a:txBody>
-                </a:tc>
-                <a:tc>
-                  <a:txBody>
-                    <a:bodyPr/>
-                    <a:lstStyle/>
-                    <a:p>
-                      <a:pPr lvl="0" indent="0" marL="0" algn="r">
-                        <a:buNone/>
-                      </a:pPr>
-                      <a:r>
-                        <a:rPr/>
-                        <a:t>321.37</a:t>
-                      </a:r>
-                    </a:p>
-                  </a:txBody>
-                </a:tc>
-                <a:tc>
-                  <a:txBody>
-                    <a:bodyPr/>
-                    <a:lstStyle/>
-                    <a:p>
-                      <a:pPr lvl="0" indent="0" marL="0" algn="r">
-                        <a:buNone/>
-                      </a:pPr>
-                      <a:r>
-                        <a:rPr/>
-                        <a:t>0.12</a:t>
-                      </a:r>
-                    </a:p>
-                  </a:txBody>
-                </a:tc>
-              </a:tr>
-              <a:tr h="0">
-                <a:tc>
-                  <a:txBody>
-                    <a:bodyPr/>
-                    <a:lstStyle/>
-                    <a:p>
-                      <a:pPr lvl="0" indent="0" marL="0" algn="r">
-                        <a:buNone/>
-                      </a:pPr>
-                      <a:r>
-                        <a:rPr/>
-                        <a:t>1967</a:t>
-                      </a:r>
-                    </a:p>
-                  </a:txBody>
-                </a:tc>
-                <a:tc>
-                  <a:txBody>
-                    <a:bodyPr/>
-                    <a:lstStyle/>
-                    <a:p>
-                      <a:pPr lvl="0" indent="0" marL="0" algn="r">
-                        <a:buNone/>
-                      </a:pPr>
-                      <a:r>
-                        <a:rPr/>
-                        <a:t>322.18</a:t>
-                      </a:r>
-                    </a:p>
-                  </a:txBody>
-                </a:tc>
-                <a:tc>
-                  <a:txBody>
-                    <a:bodyPr/>
-                    <a:lstStyle/>
-                    <a:p>
-                      <a:pPr lvl="0" indent="0" marL="0" algn="r">
-                        <a:buNone/>
-                      </a:pPr>
-                      <a:r>
-                        <a:rPr/>
-                        <a:t>0.12</a:t>
-                      </a:r>
-                    </a:p>
-                  </a:txBody>
-                </a:tc>
-              </a:tr>
-              <a:tr h="0">
-                <a:tc>
-                  <a:txBody>
-                    <a:bodyPr/>
-                    <a:lstStyle/>
-                    <a:p>
-                      <a:pPr lvl="0" indent="0" marL="0" algn="r">
-                        <a:buNone/>
-                      </a:pPr>
-                      <a:r>
-                        <a:rPr/>
-                        <a:t>1968</a:t>
-                      </a:r>
-                    </a:p>
-                  </a:txBody>
-                </a:tc>
-                <a:tc>
-                  <a:txBody>
-                    <a:bodyPr/>
-                    <a:lstStyle/>
-                    <a:p>
-                      <a:pPr lvl="0" indent="0" marL="0" algn="r">
-                        <a:buNone/>
-                      </a:pPr>
-                      <a:r>
-                        <a:rPr/>
-                        <a:t>323.05</a:t>
-                      </a:r>
-                    </a:p>
-                  </a:txBody>
-                </a:tc>
-                <a:tc>
-                  <a:txBody>
-                    <a:bodyPr/>
-                    <a:lstStyle/>
-                    <a:p>
-                      <a:pPr lvl="0" indent="0" marL="0" algn="r">
-                        <a:buNone/>
-                      </a:pPr>
-                      <a:r>
-                        <a:rPr/>
-                        <a:t>0.12</a:t>
-                      </a:r>
-                    </a:p>
-                  </a:txBody>
-                </a:tc>
-              </a:tr>
-              <a:tr h="0">
-                <a:tc>
-                  <a:txBody>
-                    <a:bodyPr/>
-                    <a:lstStyle/>
-                    <a:p>
-                      <a:pPr lvl="0" indent="0" marL="0" algn="r">
-                        <a:buNone/>
-                      </a:pPr>
-                      <a:r>
-                        <a:rPr/>
-                        <a:t>1969</a:t>
-                      </a:r>
-                    </a:p>
-                  </a:txBody>
-                </a:tc>
-                <a:tc>
-                  <a:txBody>
-                    <a:bodyPr/>
-                    <a:lstStyle/>
-                    <a:p>
-                      <a:pPr lvl="0" indent="0" marL="0" algn="r">
-                        <a:buNone/>
-                      </a:pPr>
-                      <a:r>
-                        <a:rPr/>
-                        <a:t>324.62</a:t>
-                      </a:r>
-                    </a:p>
-                  </a:txBody>
-                </a:tc>
-                <a:tc>
-                  <a:txBody>
-                    <a:bodyPr/>
-                    <a:lstStyle/>
-                    <a:p>
-                      <a:pPr lvl="0" indent="0" marL="0" algn="r">
-                        <a:buNone/>
-                      </a:pPr>
-                      <a:r>
-                        <a:rPr/>
-                        <a:t>0.12</a:t>
-                      </a:r>
-                    </a:p>
-                  </a:txBody>
-                </a:tc>
-              </a:tr>
-              <a:tr h="0">
-                <a:tc>
-                  <a:txBody>
-                    <a:bodyPr/>
-                    <a:lstStyle/>
-                    <a:p>
-                      <a:pPr lvl="0" indent="0" marL="0" algn="r">
-                        <a:buNone/>
-                      </a:pPr>
-                      <a:r>
-                        <a:rPr/>
-                        <a:t>1970</a:t>
-                      </a:r>
-                    </a:p>
-                  </a:txBody>
-                </a:tc>
-                <a:tc>
-                  <a:txBody>
-                    <a:bodyPr/>
-                    <a:lstStyle/>
-                    <a:p>
-                      <a:pPr lvl="0" indent="0" marL="0" algn="r">
-                        <a:buNone/>
-                      </a:pPr>
-                      <a:r>
-                        <a:rPr/>
-                        <a:t>325.68</a:t>
-                      </a:r>
-                    </a:p>
-                  </a:txBody>
-                </a:tc>
-                <a:tc>
-                  <a:txBody>
-                    <a:bodyPr/>
-                    <a:lstStyle/>
-                    <a:p>
-                      <a:pPr lvl="0" indent="0" marL="0" algn="r">
-                        <a:buNone/>
-                      </a:pPr>
-                      <a:r>
-                        <a:rPr/>
-                        <a:t>0.12</a:t>
-                      </a:r>
-                    </a:p>
-                  </a:txBody>
-                </a:tc>
-              </a:tr>
-              <a:tr h="0">
-                <a:tc>
-                  <a:txBody>
-                    <a:bodyPr/>
-                    <a:lstStyle/>
-                    <a:p>
-                      <a:pPr lvl="0" indent="0" marL="0" algn="r">
-                        <a:buNone/>
-                      </a:pPr>
-                      <a:r>
-                        <a:rPr/>
-                        <a:t>1971</a:t>
-                      </a:r>
-                    </a:p>
-                  </a:txBody>
-                </a:tc>
-                <a:tc>
-                  <a:txBody>
-                    <a:bodyPr/>
-                    <a:lstStyle/>
-                    <a:p>
-                      <a:pPr lvl="0" indent="0" marL="0" algn="r">
-                        <a:buNone/>
-                      </a:pPr>
-                      <a:r>
-                        <a:rPr/>
-                        <a:t>326.32</a:t>
-                      </a:r>
-                    </a:p>
-                  </a:txBody>
-                </a:tc>
-                <a:tc>
-                  <a:txBody>
-                    <a:bodyPr/>
-                    <a:lstStyle/>
-                    <a:p>
-                      <a:pPr lvl="0" indent="0" marL="0" algn="r">
-                        <a:buNone/>
-                      </a:pPr>
-                      <a:r>
-                        <a:rPr/>
-                        <a:t>0.12</a:t>
-                      </a:r>
-                    </a:p>
-                  </a:txBody>
-                </a:tc>
-              </a:tr>
-              <a:tr h="0">
-                <a:tc>
-                  <a:txBody>
-                    <a:bodyPr/>
-                    <a:lstStyle/>
-                    <a:p>
-                      <a:pPr lvl="0" indent="0" marL="0" algn="r">
-                        <a:buNone/>
-                      </a:pPr>
-                      <a:r>
-                        <a:rPr/>
-                        <a:t>1972</a:t>
-                      </a:r>
-                    </a:p>
-                  </a:txBody>
-                </a:tc>
-                <a:tc>
-                  <a:txBody>
-                    <a:bodyPr/>
-                    <a:lstStyle/>
-                    <a:p>
-                      <a:pPr lvl="0" indent="0" marL="0" algn="r">
-                        <a:buNone/>
-                      </a:pPr>
-                      <a:r>
-                        <a:rPr/>
-                        <a:t>327.46</a:t>
-                      </a:r>
-                    </a:p>
-                  </a:txBody>
-                </a:tc>
-                <a:tc>
-                  <a:txBody>
-                    <a:bodyPr/>
-                    <a:lstStyle/>
-                    <a:p>
-                      <a:pPr lvl="0" indent="0" marL="0" algn="r">
-                        <a:buNone/>
-                      </a:pPr>
-                      <a:r>
-                        <a:rPr/>
-                        <a:t>0.12</a:t>
-                      </a:r>
-                    </a:p>
-                  </a:txBody>
-                </a:tc>
-              </a:tr>
-              <a:tr h="0">
-                <a:tc>
-                  <a:txBody>
-                    <a:bodyPr/>
-                    <a:lstStyle/>
-                    <a:p>
-                      <a:pPr lvl="0" indent="0" marL="0" algn="r">
-                        <a:buNone/>
-                      </a:pPr>
-                      <a:r>
-                        <a:rPr/>
-                        <a:t>1973</a:t>
-                      </a:r>
-                    </a:p>
-                  </a:txBody>
-                </a:tc>
-                <a:tc>
-                  <a:txBody>
-                    <a:bodyPr/>
-                    <a:lstStyle/>
-                    <a:p>
-                      <a:pPr lvl="0" indent="0" marL="0" algn="r">
-                        <a:buNone/>
-                      </a:pPr>
-                      <a:r>
-                        <a:rPr/>
-                        <a:t>329.68</a:t>
-                      </a:r>
-                    </a:p>
-                  </a:txBody>
-                </a:tc>
-                <a:tc>
-                  <a:txBody>
-                    <a:bodyPr/>
-                    <a:lstStyle/>
-                    <a:p>
-                      <a:pPr lvl="0" indent="0" marL="0" algn="r">
-                        <a:buNone/>
-                      </a:pPr>
-                      <a:r>
-                        <a:rPr/>
-                        <a:t>0.12</a:t>
-                      </a:r>
-                    </a:p>
-                  </a:txBody>
-                </a:tc>
-              </a:tr>
-              <a:tr h="0">
-                <a:tc>
-                  <a:txBody>
-                    <a:bodyPr/>
-                    <a:lstStyle/>
-                    <a:p>
-                      <a:pPr lvl="0" indent="0" marL="0" algn="r">
-                        <a:buNone/>
-                      </a:pPr>
-                      <a:r>
-                        <a:rPr/>
-                        <a:t>1974</a:t>
-                      </a:r>
-                    </a:p>
-                  </a:txBody>
-                </a:tc>
-                <a:tc>
-                  <a:txBody>
-                    <a:bodyPr/>
-                    <a:lstStyle/>
-                    <a:p>
-                      <a:pPr lvl="0" indent="0" marL="0" algn="r">
-                        <a:buNone/>
-                      </a:pPr>
-                      <a:r>
-                        <a:rPr/>
-                        <a:t>330.19</a:t>
-                      </a:r>
-                    </a:p>
-                  </a:txBody>
-                </a:tc>
-                <a:tc>
-                  <a:txBody>
-                    <a:bodyPr/>
-                    <a:lstStyle/>
-                    <a:p>
-                      <a:pPr lvl="0" indent="0" marL="0" algn="r">
-                        <a:buNone/>
-                      </a:pPr>
-                      <a:r>
-                        <a:rPr/>
-                        <a:t>0.12</a:t>
-                      </a:r>
-                    </a:p>
-                  </a:txBody>
-                </a:tc>
-              </a:tr>
-              <a:tr h="0">
-                <a:tc>
-                  <a:txBody>
-                    <a:bodyPr/>
-                    <a:lstStyle/>
-                    <a:p>
-                      <a:pPr lvl="0" indent="0" marL="0" algn="r">
-                        <a:buNone/>
-                      </a:pPr>
-                      <a:r>
-                        <a:rPr/>
-                        <a:t>1975</a:t>
-                      </a:r>
-                    </a:p>
-                  </a:txBody>
-                </a:tc>
-                <a:tc>
-                  <a:txBody>
-                    <a:bodyPr/>
-                    <a:lstStyle/>
-                    <a:p>
-                      <a:pPr lvl="0" indent="0" marL="0" algn="r">
-                        <a:buNone/>
-                      </a:pPr>
-                      <a:r>
-                        <a:rPr/>
-                        <a:t>331.13</a:t>
-                      </a:r>
-                    </a:p>
-                  </a:txBody>
-                </a:tc>
-                <a:tc>
-                  <a:txBody>
-                    <a:bodyPr/>
-                    <a:lstStyle/>
-                    <a:p>
-                      <a:pPr lvl="0" indent="0" marL="0" algn="r">
-                        <a:buNone/>
-                      </a:pPr>
-                      <a:r>
-                        <a:rPr/>
-                        <a:t>0.12</a:t>
-                      </a:r>
-                    </a:p>
-                  </a:txBody>
-                </a:tc>
-              </a:tr>
-              <a:tr h="0">
-                <a:tc>
-                  <a:txBody>
-                    <a:bodyPr/>
-                    <a:lstStyle/>
-                    <a:p>
-                      <a:pPr lvl="0" indent="0" marL="0" algn="r">
-                        <a:buNone/>
-                      </a:pPr>
-                      <a:r>
-                        <a:rPr/>
-                        <a:t>1976</a:t>
-                      </a:r>
-                    </a:p>
-                  </a:txBody>
-                </a:tc>
-                <a:tc>
-                  <a:txBody>
-                    <a:bodyPr/>
-                    <a:lstStyle/>
-                    <a:p>
-                      <a:pPr lvl="0" indent="0" marL="0" algn="r">
-                        <a:buNone/>
-                      </a:pPr>
-                      <a:r>
-                        <a:rPr/>
-                        <a:t>332.03</a:t>
-                      </a:r>
-                    </a:p>
-                  </a:txBody>
-                </a:tc>
-                <a:tc>
-                  <a:txBody>
-                    <a:bodyPr/>
-                    <a:lstStyle/>
-                    <a:p>
-                      <a:pPr lvl="0" indent="0" marL="0" algn="r">
-                        <a:buNone/>
-                      </a:pPr>
-                      <a:r>
-                        <a:rPr/>
-                        <a:t>0.12</a:t>
-                      </a:r>
-                    </a:p>
-                  </a:txBody>
-                </a:tc>
-              </a:tr>
-              <a:tr h="0">
-                <a:tc>
-                  <a:txBody>
-                    <a:bodyPr/>
-                    <a:lstStyle/>
-                    <a:p>
-                      <a:pPr lvl="0" indent="0" marL="0" algn="r">
-                        <a:buNone/>
-                      </a:pPr>
-                      <a:r>
-                        <a:rPr/>
-                        <a:t>1977</a:t>
-                      </a:r>
-                    </a:p>
-                  </a:txBody>
-                </a:tc>
-                <a:tc>
-                  <a:txBody>
-                    <a:bodyPr/>
-                    <a:lstStyle/>
-                    <a:p>
-                      <a:pPr lvl="0" indent="0" marL="0" algn="r">
-                        <a:buNone/>
-                      </a:pPr>
-                      <a:r>
-                        <a:rPr/>
-                        <a:t>333.84</a:t>
-                      </a:r>
-                    </a:p>
-                  </a:txBody>
-                </a:tc>
-                <a:tc>
-                  <a:txBody>
-                    <a:bodyPr/>
-                    <a:lstStyle/>
-                    <a:p>
-                      <a:pPr lvl="0" indent="0" marL="0" algn="r">
-                        <a:buNone/>
-                      </a:pPr>
-                      <a:r>
-                        <a:rPr/>
-                        <a:t>0.12</a:t>
-                      </a:r>
-                    </a:p>
-                  </a:txBody>
-                </a:tc>
-              </a:tr>
-              <a:tr h="0">
-                <a:tc>
-                  <a:txBody>
-                    <a:bodyPr/>
-                    <a:lstStyle/>
-                    <a:p>
-                      <a:pPr lvl="0" indent="0" marL="0" algn="r">
-                        <a:buNone/>
-                      </a:pPr>
-                      <a:r>
-                        <a:rPr/>
-                        <a:t>1978</a:t>
-                      </a:r>
-                    </a:p>
-                  </a:txBody>
-                </a:tc>
-                <a:tc>
-                  <a:txBody>
-                    <a:bodyPr/>
-                    <a:lstStyle/>
-                    <a:p>
-                      <a:pPr lvl="0" indent="0" marL="0" algn="r">
-                        <a:buNone/>
-                      </a:pPr>
-                      <a:r>
-                        <a:rPr/>
-                        <a:t>335.41</a:t>
-                      </a:r>
-                    </a:p>
-                  </a:txBody>
-                </a:tc>
-                <a:tc>
-                  <a:txBody>
-                    <a:bodyPr/>
-                    <a:lstStyle/>
-                    <a:p>
-                      <a:pPr lvl="0" indent="0" marL="0" algn="r">
-                        <a:buNone/>
-                      </a:pPr>
-                      <a:r>
-                        <a:rPr/>
-                        <a:t>0.12</a:t>
-                      </a:r>
-                    </a:p>
-                  </a:txBody>
-                </a:tc>
-              </a:tr>
-              <a:tr h="0">
-                <a:tc>
-                  <a:txBody>
-                    <a:bodyPr/>
-                    <a:lstStyle/>
-                    <a:p>
-                      <a:pPr lvl="0" indent="0" marL="0" algn="r">
-                        <a:buNone/>
-                      </a:pPr>
-                      <a:r>
-                        <a:rPr/>
-                        <a:t>1979</a:t>
-                      </a:r>
-                    </a:p>
-                  </a:txBody>
-                </a:tc>
-                <a:tc>
-                  <a:txBody>
-                    <a:bodyPr/>
-                    <a:lstStyle/>
-                    <a:p>
-                      <a:pPr lvl="0" indent="0" marL="0" algn="r">
-                        <a:buNone/>
-                      </a:pPr>
-                      <a:r>
-                        <a:rPr/>
-                        <a:t>336.84</a:t>
-                      </a:r>
-                    </a:p>
-                  </a:txBody>
-                </a:tc>
-                <a:tc>
-                  <a:txBody>
-                    <a:bodyPr/>
-                    <a:lstStyle/>
-                    <a:p>
-                      <a:pPr lvl="0" indent="0" marL="0" algn="r">
-                        <a:buNone/>
-                      </a:pPr>
-                      <a:r>
-                        <a:rPr/>
-                        <a:t>0.12</a:t>
-                      </a:r>
-                    </a:p>
-                  </a:txBody>
-                </a:tc>
-              </a:tr>
-              <a:tr h="0">
-                <a:tc>
-                  <a:txBody>
-                    <a:bodyPr/>
-                    <a:lstStyle/>
-                    <a:p>
-                      <a:pPr lvl="0" indent="0" marL="0" algn="r">
-                        <a:buNone/>
-                      </a:pPr>
-                      <a:r>
-                        <a:rPr/>
-                        <a:t>1980</a:t>
-                      </a:r>
-                    </a:p>
-                  </a:txBody>
-                </a:tc>
-                <a:tc>
-                  <a:txBody>
-                    <a:bodyPr/>
-                    <a:lstStyle/>
-                    <a:p>
-                      <a:pPr lvl="0" indent="0" marL="0" algn="r">
-                        <a:buNone/>
-                      </a:pPr>
-                      <a:r>
-                        <a:rPr/>
-                        <a:t>338.76</a:t>
-                      </a:r>
-                    </a:p>
-                  </a:txBody>
-                </a:tc>
-                <a:tc>
-                  <a:txBody>
-                    <a:bodyPr/>
-                    <a:lstStyle/>
-                    <a:p>
-                      <a:pPr lvl="0" indent="0" marL="0" algn="r">
-                        <a:buNone/>
-                      </a:pPr>
-                      <a:r>
-                        <a:rPr/>
-                        <a:t>0.12</a:t>
-                      </a:r>
-                    </a:p>
-                  </a:txBody>
-                </a:tc>
-              </a:tr>
-              <a:tr h="0">
-                <a:tc>
-                  <a:txBody>
-                    <a:bodyPr/>
-                    <a:lstStyle/>
-                    <a:p>
-                      <a:pPr lvl="0" indent="0" marL="0" algn="r">
-                        <a:buNone/>
-                      </a:pPr>
-                      <a:r>
-                        <a:rPr/>
-                        <a:t>1981</a:t>
-                      </a:r>
-                    </a:p>
-                  </a:txBody>
-                </a:tc>
-                <a:tc>
-                  <a:txBody>
-                    <a:bodyPr/>
-                    <a:lstStyle/>
-                    <a:p>
-                      <a:pPr lvl="0" indent="0" marL="0" algn="r">
-                        <a:buNone/>
-                      </a:pPr>
-                      <a:r>
-                        <a:rPr/>
-                        <a:t>340.12</a:t>
-                      </a:r>
-                    </a:p>
-                  </a:txBody>
-                </a:tc>
-                <a:tc>
-                  <a:txBody>
-                    <a:bodyPr/>
-                    <a:lstStyle/>
-                    <a:p>
-                      <a:pPr lvl="0" indent="0" marL="0" algn="r">
-                        <a:buNone/>
-                      </a:pPr>
-                      <a:r>
-                        <a:rPr/>
-                        <a:t>0.12</a:t>
-                      </a:r>
-                    </a:p>
-                  </a:txBody>
-                </a:tc>
-              </a:tr>
-              <a:tr h="0">
-                <a:tc>
-                  <a:txBody>
-                    <a:bodyPr/>
-                    <a:lstStyle/>
-                    <a:p>
-                      <a:pPr lvl="0" indent="0" marL="0" algn="r">
-                        <a:buNone/>
-                      </a:pPr>
-                      <a:r>
-                        <a:rPr/>
-                        <a:t>1982</a:t>
-                      </a:r>
-                    </a:p>
-                  </a:txBody>
-                </a:tc>
-                <a:tc>
-                  <a:txBody>
-                    <a:bodyPr/>
-                    <a:lstStyle/>
-                    <a:p>
-                      <a:pPr lvl="0" indent="0" marL="0" algn="r">
-                        <a:buNone/>
-                      </a:pPr>
-                      <a:r>
-                        <a:rPr/>
-                        <a:t>341.48</a:t>
-                      </a:r>
-                    </a:p>
-                  </a:txBody>
-                </a:tc>
-                <a:tc>
-                  <a:txBody>
-                    <a:bodyPr/>
-                    <a:lstStyle/>
-                    <a:p>
-                      <a:pPr lvl="0" indent="0" marL="0" algn="r">
-                        <a:buNone/>
-                      </a:pPr>
-                      <a:r>
-                        <a:rPr/>
-                        <a:t>0.12</a:t>
-                      </a:r>
-                    </a:p>
-                  </a:txBody>
-                </a:tc>
-              </a:tr>
-              <a:tr h="0">
-                <a:tc>
-                  <a:txBody>
-                    <a:bodyPr/>
-                    <a:lstStyle/>
-                    <a:p>
-                      <a:pPr lvl="0" indent="0" marL="0" algn="r">
-                        <a:buNone/>
-                      </a:pPr>
-                      <a:r>
-                        <a:rPr/>
-                        <a:t>1983</a:t>
-                      </a:r>
-                    </a:p>
-                  </a:txBody>
-                </a:tc>
-                <a:tc>
-                  <a:txBody>
-                    <a:bodyPr/>
-                    <a:lstStyle/>
-                    <a:p>
-                      <a:pPr lvl="0" indent="0" marL="0" algn="r">
-                        <a:buNone/>
-                      </a:pPr>
-                      <a:r>
-                        <a:rPr/>
-                        <a:t>343.15</a:t>
-                      </a:r>
-                    </a:p>
-                  </a:txBody>
-                </a:tc>
-                <a:tc>
-                  <a:txBody>
-                    <a:bodyPr/>
-                    <a:lstStyle/>
-                    <a:p>
-                      <a:pPr lvl="0" indent="0" marL="0" algn="r">
-                        <a:buNone/>
-                      </a:pPr>
-                      <a:r>
-                        <a:rPr/>
-                        <a:t>0.12</a:t>
-                      </a:r>
-                    </a:p>
-                  </a:txBody>
-                </a:tc>
-              </a:tr>
-              <a:tr h="0">
-                <a:tc>
-                  <a:txBody>
-                    <a:bodyPr/>
-                    <a:lstStyle/>
-                    <a:p>
-                      <a:pPr lvl="0" indent="0" marL="0" algn="r">
-                        <a:buNone/>
-                      </a:pPr>
-                      <a:r>
-                        <a:rPr/>
-                        <a:t>1984</a:t>
-                      </a:r>
-                    </a:p>
-                  </a:txBody>
-                </a:tc>
-                <a:tc>
-                  <a:txBody>
-                    <a:bodyPr/>
-                    <a:lstStyle/>
-                    <a:p>
-                      <a:pPr lvl="0" indent="0" marL="0" algn="r">
-                        <a:buNone/>
-                      </a:pPr>
-                      <a:r>
-                        <a:rPr/>
-                        <a:t>344.87</a:t>
-                      </a:r>
-                    </a:p>
-                  </a:txBody>
-                </a:tc>
-                <a:tc>
-                  <a:txBody>
-                    <a:bodyPr/>
-                    <a:lstStyle/>
-                    <a:p>
-                      <a:pPr lvl="0" indent="0" marL="0" algn="r">
-                        <a:buNone/>
-                      </a:pPr>
-                      <a:r>
-                        <a:rPr/>
-                        <a:t>0.12</a:t>
-                      </a:r>
-                    </a:p>
-                  </a:txBody>
-                </a:tc>
-              </a:tr>
-              <a:tr h="0">
-                <a:tc>
-                  <a:txBody>
-                    <a:bodyPr/>
-                    <a:lstStyle/>
-                    <a:p>
-                      <a:pPr lvl="0" indent="0" marL="0" algn="r">
-                        <a:buNone/>
-                      </a:pPr>
-                      <a:r>
-                        <a:rPr/>
-                        <a:t>1985</a:t>
-                      </a:r>
-                    </a:p>
-                  </a:txBody>
-                </a:tc>
-                <a:tc>
-                  <a:txBody>
-                    <a:bodyPr/>
-                    <a:lstStyle/>
-                    <a:p>
-                      <a:pPr lvl="0" indent="0" marL="0" algn="r">
-                        <a:buNone/>
-                      </a:pPr>
-                      <a:r>
-                        <a:rPr/>
-                        <a:t>346.35</a:t>
-                      </a:r>
-                    </a:p>
-                  </a:txBody>
-                </a:tc>
-                <a:tc>
-                  <a:txBody>
-                    <a:bodyPr/>
-                    <a:lstStyle/>
-                    <a:p>
-                      <a:pPr lvl="0" indent="0" marL="0" algn="r">
-                        <a:buNone/>
-                      </a:pPr>
-                      <a:r>
-                        <a:rPr/>
-                        <a:t>0.12</a:t>
-                      </a:r>
-                    </a:p>
-                  </a:txBody>
-                </a:tc>
-              </a:tr>
-              <a:tr h="0">
-                <a:tc>
-                  <a:txBody>
-                    <a:bodyPr/>
-                    <a:lstStyle/>
-                    <a:p>
-                      <a:pPr lvl="0" indent="0" marL="0" algn="r">
-                        <a:buNone/>
-                      </a:pPr>
-                      <a:r>
-                        <a:rPr/>
-                        <a:t>1986</a:t>
-                      </a:r>
-                    </a:p>
-                  </a:txBody>
-                </a:tc>
-                <a:tc>
-                  <a:txBody>
-                    <a:bodyPr/>
-                    <a:lstStyle/>
-                    <a:p>
-                      <a:pPr lvl="0" indent="0" marL="0" algn="r">
-                        <a:buNone/>
-                      </a:pPr>
-                      <a:r>
-                        <a:rPr/>
-                        <a:t>347.61</a:t>
-                      </a:r>
-                    </a:p>
-                  </a:txBody>
-                </a:tc>
-                <a:tc>
-                  <a:txBody>
-                    <a:bodyPr/>
-                    <a:lstStyle/>
-                    <a:p>
-                      <a:pPr lvl="0" indent="0" marL="0" algn="r">
-                        <a:buNone/>
-                      </a:pPr>
-                      <a:r>
-                        <a:rPr/>
-                        <a:t>0.12</a:t>
-                      </a:r>
-                    </a:p>
-                  </a:txBody>
-                </a:tc>
-              </a:tr>
-              <a:tr h="0">
-                <a:tc>
-                  <a:txBody>
-                    <a:bodyPr/>
-                    <a:lstStyle/>
-                    <a:p>
-                      <a:pPr lvl="0" indent="0" marL="0" algn="r">
-                        <a:buNone/>
-                      </a:pPr>
-                      <a:r>
-                        <a:rPr/>
-                        <a:t>1987</a:t>
-                      </a:r>
-                    </a:p>
-                  </a:txBody>
-                </a:tc>
-                <a:tc>
-                  <a:txBody>
-                    <a:bodyPr/>
-                    <a:lstStyle/>
-                    <a:p>
-                      <a:pPr lvl="0" indent="0" marL="0" algn="r">
-                        <a:buNone/>
-                      </a:pPr>
-                      <a:r>
-                        <a:rPr/>
-                        <a:t>349.31</a:t>
-                      </a:r>
-                    </a:p>
-                  </a:txBody>
-                </a:tc>
-                <a:tc>
-                  <a:txBody>
-                    <a:bodyPr/>
-                    <a:lstStyle/>
-                    <a:p>
-                      <a:pPr lvl="0" indent="0" marL="0" algn="r">
-                        <a:buNone/>
-                      </a:pPr>
-                      <a:r>
-                        <a:rPr/>
-                        <a:t>0.12</a:t>
-                      </a:r>
-                    </a:p>
-                  </a:txBody>
-                </a:tc>
-              </a:tr>
-              <a:tr h="0">
-                <a:tc>
-                  <a:txBody>
-                    <a:bodyPr/>
-                    <a:lstStyle/>
-                    <a:p>
-                      <a:pPr lvl="0" indent="0" marL="0" algn="r">
-                        <a:buNone/>
-                      </a:pPr>
-                      <a:r>
-                        <a:rPr/>
-                        <a:t>1988</a:t>
-                      </a:r>
-                    </a:p>
-                  </a:txBody>
-                </a:tc>
-                <a:tc>
-                  <a:txBody>
-                    <a:bodyPr/>
-                    <a:lstStyle/>
-                    <a:p>
-                      <a:pPr lvl="0" indent="0" marL="0" algn="r">
-                        <a:buNone/>
-                      </a:pPr>
-                      <a:r>
-                        <a:rPr/>
-                        <a:t>351.69</a:t>
-                      </a:r>
-                    </a:p>
-                  </a:txBody>
-                </a:tc>
-                <a:tc>
-                  <a:txBody>
-                    <a:bodyPr/>
-                    <a:lstStyle/>
-                    <a:p>
-                      <a:pPr lvl="0" indent="0" marL="0" algn="r">
-                        <a:buNone/>
-                      </a:pPr>
-                      <a:r>
-                        <a:rPr/>
-                        <a:t>0.12</a:t>
-                      </a:r>
-                    </a:p>
-                  </a:txBody>
-                </a:tc>
-              </a:tr>
-              <a:tr h="0">
-                <a:tc>
-                  <a:txBody>
-                    <a:bodyPr/>
-                    <a:lstStyle/>
-                    <a:p>
-                      <a:pPr lvl="0" indent="0" marL="0" algn="r">
-                        <a:buNone/>
-                      </a:pPr>
-                      <a:r>
-                        <a:rPr/>
-                        <a:t>1989</a:t>
-                      </a:r>
-                    </a:p>
-                  </a:txBody>
-                </a:tc>
-                <a:tc>
-                  <a:txBody>
-                    <a:bodyPr/>
-                    <a:lstStyle/>
-                    <a:p>
-                      <a:pPr lvl="0" indent="0" marL="0" algn="r">
-                        <a:buNone/>
-                      </a:pPr>
-                      <a:r>
-                        <a:rPr/>
-                        <a:t>353.20</a:t>
-                      </a:r>
-                    </a:p>
-                  </a:txBody>
-                </a:tc>
-                <a:tc>
-                  <a:txBody>
-                    <a:bodyPr/>
-                    <a:lstStyle/>
-                    <a:p>
-                      <a:pPr lvl="0" indent="0" marL="0" algn="r">
-                        <a:buNone/>
-                      </a:pPr>
-                      <a:r>
-                        <a:rPr/>
-                        <a:t>0.12</a:t>
-                      </a:r>
-                    </a:p>
-                  </a:txBody>
-                </a:tc>
-              </a:tr>
-              <a:tr h="0">
-                <a:tc>
-                  <a:txBody>
-                    <a:bodyPr/>
-                    <a:lstStyle/>
-                    <a:p>
-                      <a:pPr lvl="0" indent="0" marL="0" algn="r">
-                        <a:buNone/>
-                      </a:pPr>
-                      <a:r>
-                        <a:rPr/>
-                        <a:t>1990</a:t>
-                      </a:r>
-                    </a:p>
-                  </a:txBody>
-                </a:tc>
-                <a:tc>
-                  <a:txBody>
-                    <a:bodyPr/>
-                    <a:lstStyle/>
-                    <a:p>
-                      <a:pPr lvl="0" indent="0" marL="0" algn="r">
-                        <a:buNone/>
-                      </a:pPr>
-                      <a:r>
-                        <a:rPr/>
-                        <a:t>354.45</a:t>
-                      </a:r>
-                    </a:p>
-                  </a:txBody>
-                </a:tc>
-                <a:tc>
-                  <a:txBody>
-                    <a:bodyPr/>
-                    <a:lstStyle/>
-                    <a:p>
-                      <a:pPr lvl="0" indent="0" marL="0" algn="r">
-                        <a:buNone/>
-                      </a:pPr>
-                      <a:r>
-                        <a:rPr/>
-                        <a:t>0.12</a:t>
-                      </a:r>
-                    </a:p>
-                  </a:txBody>
-                </a:tc>
-              </a:tr>
-              <a:tr h="0">
-                <a:tc>
-                  <a:txBody>
-                    <a:bodyPr/>
-                    <a:lstStyle/>
-                    <a:p>
-                      <a:pPr lvl="0" indent="0" marL="0" algn="r">
-                        <a:buNone/>
-                      </a:pPr>
-                      <a:r>
-                        <a:rPr/>
-                        <a:t>1991</a:t>
-                      </a:r>
-                    </a:p>
-                  </a:txBody>
-                </a:tc>
-                <a:tc>
-                  <a:txBody>
-                    <a:bodyPr/>
-                    <a:lstStyle/>
-                    <a:p>
-                      <a:pPr lvl="0" indent="0" marL="0" algn="r">
-                        <a:buNone/>
-                      </a:pPr>
-                      <a:r>
-                        <a:rPr/>
-                        <a:t>355.70</a:t>
-                      </a:r>
-                    </a:p>
-                  </a:txBody>
-                </a:tc>
-                <a:tc>
-                  <a:txBody>
-                    <a:bodyPr/>
-                    <a:lstStyle/>
-                    <a:p>
-                      <a:pPr lvl="0" indent="0" marL="0" algn="r">
-                        <a:buNone/>
-                      </a:pPr>
-                      <a:r>
-                        <a:rPr/>
-                        <a:t>0.12</a:t>
-                      </a:r>
-                    </a:p>
-                  </a:txBody>
-                </a:tc>
-              </a:tr>
-              <a:tr h="0">
-                <a:tc>
-                  <a:txBody>
-                    <a:bodyPr/>
-                    <a:lstStyle/>
-                    <a:p>
-                      <a:pPr lvl="0" indent="0" marL="0" algn="r">
-                        <a:buNone/>
-                      </a:pPr>
-                      <a:r>
-                        <a:rPr/>
-                        <a:t>1992</a:t>
-                      </a:r>
-                    </a:p>
-                  </a:txBody>
-                </a:tc>
-                <a:tc>
-                  <a:txBody>
-                    <a:bodyPr/>
-                    <a:lstStyle/>
-                    <a:p>
-                      <a:pPr lvl="0" indent="0" marL="0" algn="r">
-                        <a:buNone/>
-                      </a:pPr>
-                      <a:r>
-                        <a:rPr/>
-                        <a:t>356.54</a:t>
-                      </a:r>
-                    </a:p>
-                  </a:txBody>
-                </a:tc>
-                <a:tc>
-                  <a:txBody>
-                    <a:bodyPr/>
-                    <a:lstStyle/>
-                    <a:p>
-                      <a:pPr lvl="0" indent="0" marL="0" algn="r">
-                        <a:buNone/>
-                      </a:pPr>
-                      <a:r>
-                        <a:rPr/>
-                        <a:t>0.12</a:t>
-                      </a:r>
-                    </a:p>
-                  </a:txBody>
-                </a:tc>
-              </a:tr>
-              <a:tr h="0">
-                <a:tc>
-                  <a:txBody>
-                    <a:bodyPr/>
-                    <a:lstStyle/>
-                    <a:p>
-                      <a:pPr lvl="0" indent="0" marL="0" algn="r">
-                        <a:buNone/>
-                      </a:pPr>
-                      <a:r>
-                        <a:rPr/>
-                        <a:t>1993</a:t>
-                      </a:r>
-                    </a:p>
-                  </a:txBody>
-                </a:tc>
-                <a:tc>
-                  <a:txBody>
-                    <a:bodyPr/>
-                    <a:lstStyle/>
-                    <a:p>
-                      <a:pPr lvl="0" indent="0" marL="0" algn="r">
-                        <a:buNone/>
-                      </a:pPr>
-                      <a:r>
-                        <a:rPr/>
-                        <a:t>357.21</a:t>
-                      </a:r>
-                    </a:p>
-                  </a:txBody>
-                </a:tc>
-                <a:tc>
-                  <a:txBody>
-                    <a:bodyPr/>
-                    <a:lstStyle/>
-                    <a:p>
-                      <a:pPr lvl="0" indent="0" marL="0" algn="r">
-                        <a:buNone/>
-                      </a:pPr>
-                      <a:r>
-                        <a:rPr/>
-                        <a:t>0.12</a:t>
-                      </a:r>
-                    </a:p>
-                  </a:txBody>
-                </a:tc>
-              </a:tr>
-              <a:tr h="0">
-                <a:tc>
-                  <a:txBody>
-                    <a:bodyPr/>
-                    <a:lstStyle/>
-                    <a:p>
-                      <a:pPr lvl="0" indent="0" marL="0" algn="r">
-                        <a:buNone/>
-                      </a:pPr>
-                      <a:r>
-                        <a:rPr/>
-                        <a:t>1994</a:t>
-                      </a:r>
-                    </a:p>
-                  </a:txBody>
-                </a:tc>
-                <a:tc>
-                  <a:txBody>
-                    <a:bodyPr/>
-                    <a:lstStyle/>
-                    <a:p>
-                      <a:pPr lvl="0" indent="0" marL="0" algn="r">
-                        <a:buNone/>
-                      </a:pPr>
-                      <a:r>
-                        <a:rPr/>
-                        <a:t>358.96</a:t>
-                      </a:r>
-                    </a:p>
-                  </a:txBody>
-                </a:tc>
-                <a:tc>
-                  <a:txBody>
-                    <a:bodyPr/>
-                    <a:lstStyle/>
-                    <a:p>
-                      <a:pPr lvl="0" indent="0" marL="0" algn="r">
-                        <a:buNone/>
-                      </a:pPr>
-                      <a:r>
-                        <a:rPr/>
-                        <a:t>0.12</a:t>
-                      </a:r>
-                    </a:p>
-                  </a:txBody>
-                </a:tc>
-              </a:tr>
-              <a:tr h="0">
-                <a:tc>
-                  <a:txBody>
-                    <a:bodyPr/>
-                    <a:lstStyle/>
-                    <a:p>
-                      <a:pPr lvl="0" indent="0" marL="0" algn="r">
-                        <a:buNone/>
-                      </a:pPr>
-                      <a:r>
-                        <a:rPr/>
-                        <a:t>1995</a:t>
-                      </a:r>
-                    </a:p>
-                  </a:txBody>
-                </a:tc>
-                <a:tc>
-                  <a:txBody>
-                    <a:bodyPr/>
-                    <a:lstStyle/>
-                    <a:p>
-                      <a:pPr lvl="0" indent="0" marL="0" algn="r">
-                        <a:buNone/>
-                      </a:pPr>
-                      <a:r>
-                        <a:rPr/>
-                        <a:t>360.97</a:t>
-                      </a:r>
-                    </a:p>
-                  </a:txBody>
-                </a:tc>
-                <a:tc>
-                  <a:txBody>
-                    <a:bodyPr/>
-                    <a:lstStyle/>
-                    <a:p>
-                      <a:pPr lvl="0" indent="0" marL="0" algn="r">
-                        <a:buNone/>
-                      </a:pPr>
-                      <a:r>
-                        <a:rPr/>
-                        <a:t>0.12</a:t>
-                      </a:r>
-                    </a:p>
-                  </a:txBody>
-                </a:tc>
-              </a:tr>
-              <a:tr h="0">
-                <a:tc>
-                  <a:txBody>
-                    <a:bodyPr/>
-                    <a:lstStyle/>
-                    <a:p>
-                      <a:pPr lvl="0" indent="0" marL="0" algn="r">
-                        <a:buNone/>
-                      </a:pPr>
-                      <a:r>
-                        <a:rPr/>
-                        <a:t>1996</a:t>
-                      </a:r>
-                    </a:p>
-                  </a:txBody>
-                </a:tc>
-                <a:tc>
-                  <a:txBody>
-                    <a:bodyPr/>
-                    <a:lstStyle/>
-                    <a:p>
-                      <a:pPr lvl="0" indent="0" marL="0" algn="r">
-                        <a:buNone/>
-                      </a:pPr>
-                      <a:r>
-                        <a:rPr/>
-                        <a:t>362.74</a:t>
-                      </a:r>
-                    </a:p>
-                  </a:txBody>
-                </a:tc>
-                <a:tc>
-                  <a:txBody>
-                    <a:bodyPr/>
-                    <a:lstStyle/>
-                    <a:p>
-                      <a:pPr lvl="0" indent="0" marL="0" algn="r">
-                        <a:buNone/>
-                      </a:pPr>
-                      <a:r>
-                        <a:rPr/>
-                        <a:t>0.12</a:t>
-                      </a:r>
-                    </a:p>
-                  </a:txBody>
-                </a:tc>
-              </a:tr>
-              <a:tr h="0">
-                <a:tc>
-                  <a:txBody>
-                    <a:bodyPr/>
-                    <a:lstStyle/>
-                    <a:p>
-                      <a:pPr lvl="0" indent="0" marL="0" algn="r">
-                        <a:buNone/>
-                      </a:pPr>
-                      <a:r>
-                        <a:rPr/>
-                        <a:t>1997</a:t>
-                      </a:r>
-                    </a:p>
-                  </a:txBody>
-                </a:tc>
-                <a:tc>
-                  <a:txBody>
-                    <a:bodyPr/>
-                    <a:lstStyle/>
-                    <a:p>
-                      <a:pPr lvl="0" indent="0" marL="0" algn="r">
-                        <a:buNone/>
-                      </a:pPr>
-                      <a:r>
-                        <a:rPr/>
-                        <a:t>363.88</a:t>
-                      </a:r>
-                    </a:p>
-                  </a:txBody>
-                </a:tc>
-                <a:tc>
-                  <a:txBody>
-                    <a:bodyPr/>
-                    <a:lstStyle/>
-                    <a:p>
-                      <a:pPr lvl="0" indent="0" marL="0" algn="r">
-                        <a:buNone/>
-                      </a:pPr>
-                      <a:r>
-                        <a:rPr/>
-                        <a:t>0.12</a:t>
-                      </a:r>
-                    </a:p>
-                  </a:txBody>
-                </a:tc>
-              </a:tr>
-              <a:tr h="0">
-                <a:tc>
-                  <a:txBody>
-                    <a:bodyPr/>
-                    <a:lstStyle/>
-                    <a:p>
-                      <a:pPr lvl="0" indent="0" marL="0" algn="r">
-                        <a:buNone/>
-                      </a:pPr>
-                      <a:r>
-                        <a:rPr/>
-                        <a:t>1998</a:t>
-                      </a:r>
-                    </a:p>
-                  </a:txBody>
-                </a:tc>
-                <a:tc>
-                  <a:txBody>
-                    <a:bodyPr/>
-                    <a:lstStyle/>
-                    <a:p>
-                      <a:pPr lvl="0" indent="0" marL="0" algn="r">
-                        <a:buNone/>
-                      </a:pPr>
-                      <a:r>
-                        <a:rPr/>
-                        <a:t>366.84</a:t>
-                      </a:r>
-                    </a:p>
-                  </a:txBody>
-                </a:tc>
-                <a:tc>
-                  <a:txBody>
-                    <a:bodyPr/>
-                    <a:lstStyle/>
-                    <a:p>
-                      <a:pPr lvl="0" indent="0" marL="0" algn="r">
-                        <a:buNone/>
-                      </a:pPr>
-                      <a:r>
-                        <a:rPr/>
-                        <a:t>0.12</a:t>
-                      </a:r>
-                    </a:p>
-                  </a:txBody>
-                </a:tc>
-              </a:tr>
-              <a:tr h="0">
-                <a:tc>
-                  <a:txBody>
-                    <a:bodyPr/>
-                    <a:lstStyle/>
-                    <a:p>
-                      <a:pPr lvl="0" indent="0" marL="0" algn="r">
-                        <a:buNone/>
-                      </a:pPr>
-                      <a:r>
-                        <a:rPr/>
-                        <a:t>1999</a:t>
-                      </a:r>
-                    </a:p>
-                  </a:txBody>
-                </a:tc>
-                <a:tc>
-                  <a:txBody>
-                    <a:bodyPr/>
-                    <a:lstStyle/>
-                    <a:p>
-                      <a:pPr lvl="0" indent="0" marL="0" algn="r">
-                        <a:buNone/>
-                      </a:pPr>
-                      <a:r>
-                        <a:rPr/>
-                        <a:t>368.54</a:t>
-                      </a:r>
-                    </a:p>
-                  </a:txBody>
-                </a:tc>
-                <a:tc>
-                  <a:txBody>
-                    <a:bodyPr/>
-                    <a:lstStyle/>
-                    <a:p>
-                      <a:pPr lvl="0" indent="0" marL="0" algn="r">
-                        <a:buNone/>
-                      </a:pPr>
-                      <a:r>
-                        <a:rPr/>
-                        <a:t>0.12</a:t>
-                      </a:r>
-                    </a:p>
-                  </a:txBody>
-                </a:tc>
-              </a:tr>
-              <a:tr h="0">
-                <a:tc>
-                  <a:txBody>
-                    <a:bodyPr/>
-                    <a:lstStyle/>
-                    <a:p>
-                      <a:pPr lvl="0" indent="0" marL="0" algn="r">
-                        <a:buNone/>
-                      </a:pPr>
-                      <a:r>
-                        <a:rPr/>
-                        <a:t>2000</a:t>
-                      </a:r>
-                    </a:p>
-                  </a:txBody>
-                </a:tc>
-                <a:tc>
-                  <a:txBody>
-                    <a:bodyPr/>
-                    <a:lstStyle/>
-                    <a:p>
-                      <a:pPr lvl="0" indent="0" marL="0" algn="r">
-                        <a:buNone/>
-                      </a:pPr>
-                      <a:r>
-                        <a:rPr/>
-                        <a:t>369.71</a:t>
-                      </a:r>
-                    </a:p>
-                  </a:txBody>
-                </a:tc>
-                <a:tc>
-                  <a:txBody>
-                    <a:bodyPr/>
-                    <a:lstStyle/>
-                    <a:p>
-                      <a:pPr lvl="0" indent="0" marL="0" algn="r">
-                        <a:buNone/>
-                      </a:pPr>
-                      <a:r>
-                        <a:rPr/>
-                        <a:t>0.12</a:t>
-                      </a:r>
-                    </a:p>
-                  </a:txBody>
-                </a:tc>
-              </a:tr>
-              <a:tr h="0">
-                <a:tc>
-                  <a:txBody>
-                    <a:bodyPr/>
-                    <a:lstStyle/>
-                    <a:p>
-                      <a:pPr lvl="0" indent="0" marL="0" algn="r">
-                        <a:buNone/>
-                      </a:pPr>
-                      <a:r>
-                        <a:rPr/>
-                        <a:t>2001</a:t>
-                      </a:r>
-                    </a:p>
-                  </a:txBody>
-                </a:tc>
-                <a:tc>
-                  <a:txBody>
-                    <a:bodyPr/>
-                    <a:lstStyle/>
-                    <a:p>
-                      <a:pPr lvl="0" indent="0" marL="0" algn="r">
-                        <a:buNone/>
-                      </a:pPr>
-                      <a:r>
-                        <a:rPr/>
-                        <a:t>371.32</a:t>
-                      </a:r>
-                    </a:p>
-                  </a:txBody>
-                </a:tc>
-                <a:tc>
-                  <a:txBody>
-                    <a:bodyPr/>
-                    <a:lstStyle/>
-                    <a:p>
-                      <a:pPr lvl="0" indent="0" marL="0" algn="r">
-                        <a:buNone/>
-                      </a:pPr>
-                      <a:r>
-                        <a:rPr/>
-                        <a:t>0.12</a:t>
-                      </a:r>
-                    </a:p>
-                  </a:txBody>
-                </a:tc>
-              </a:tr>
-              <a:tr h="0">
-                <a:tc>
-                  <a:txBody>
-                    <a:bodyPr/>
-                    <a:lstStyle/>
-                    <a:p>
-                      <a:pPr lvl="0" indent="0" marL="0" algn="r">
-                        <a:buNone/>
-                      </a:pPr>
-                      <a:r>
-                        <a:rPr/>
-                        <a:t>2002</a:t>
-                      </a:r>
-                    </a:p>
-                  </a:txBody>
-                </a:tc>
-                <a:tc>
-                  <a:txBody>
-                    <a:bodyPr/>
-                    <a:lstStyle/>
-                    <a:p>
-                      <a:pPr lvl="0" indent="0" marL="0" algn="r">
-                        <a:buNone/>
-                      </a:pPr>
-                      <a:r>
-                        <a:rPr/>
-                        <a:t>373.45</a:t>
-                      </a:r>
-                    </a:p>
-                  </a:txBody>
-                </a:tc>
-                <a:tc>
-                  <a:txBody>
-                    <a:bodyPr/>
-                    <a:lstStyle/>
-                    <a:p>
-                      <a:pPr lvl="0" indent="0" marL="0" algn="r">
-                        <a:buNone/>
-                      </a:pPr>
-                      <a:r>
-                        <a:rPr/>
-                        <a:t>0.12</a:t>
-                      </a:r>
-                    </a:p>
-                  </a:txBody>
-                </a:tc>
-              </a:tr>
-              <a:tr h="0">
-                <a:tc>
-                  <a:txBody>
-                    <a:bodyPr/>
-                    <a:lstStyle/>
-                    <a:p>
-                      <a:pPr lvl="0" indent="0" marL="0" algn="r">
-                        <a:buNone/>
-                      </a:pPr>
-                      <a:r>
-                        <a:rPr/>
-                        <a:t>2003</a:t>
-                      </a:r>
-                    </a:p>
-                  </a:txBody>
-                </a:tc>
-                <a:tc>
-                  <a:txBody>
-                    <a:bodyPr/>
-                    <a:lstStyle/>
-                    <a:p>
-                      <a:pPr lvl="0" indent="0" marL="0" algn="r">
-                        <a:buNone/>
-                      </a:pPr>
-                      <a:r>
-                        <a:rPr/>
-                        <a:t>375.98</a:t>
-                      </a:r>
-                    </a:p>
-                  </a:txBody>
-                </a:tc>
-                <a:tc>
-                  <a:txBody>
-                    <a:bodyPr/>
-                    <a:lstStyle/>
-                    <a:p>
-                      <a:pPr lvl="0" indent="0" marL="0" algn="r">
-                        <a:buNone/>
-                      </a:pPr>
-                      <a:r>
-                        <a:rPr/>
-                        <a:t>0.12</a:t>
-                      </a:r>
-                    </a:p>
-                  </a:txBody>
-                </a:tc>
-              </a:tr>
-              <a:tr h="0">
-                <a:tc>
-                  <a:txBody>
-                    <a:bodyPr/>
-                    <a:lstStyle/>
-                    <a:p>
-                      <a:pPr lvl="0" indent="0" marL="0" algn="r">
-                        <a:buNone/>
-                      </a:pPr>
-                      <a:r>
-                        <a:rPr/>
-                        <a:t>2004</a:t>
-                      </a:r>
-                    </a:p>
-                  </a:txBody>
-                </a:tc>
-                <a:tc>
-                  <a:txBody>
-                    <a:bodyPr/>
-                    <a:lstStyle/>
-                    <a:p>
-                      <a:pPr lvl="0" indent="0" marL="0" algn="r">
-                        <a:buNone/>
-                      </a:pPr>
-                      <a:r>
-                        <a:rPr/>
-                        <a:t>377.70</a:t>
-                      </a:r>
-                    </a:p>
-                  </a:txBody>
-                </a:tc>
-                <a:tc>
-                  <a:txBody>
-                    <a:bodyPr/>
-                    <a:lstStyle/>
-                    <a:p>
-                      <a:pPr lvl="0" indent="0" marL="0" algn="r">
-                        <a:buNone/>
-                      </a:pPr>
-                      <a:r>
-                        <a:rPr/>
-                        <a:t>0.12</a:t>
-                      </a:r>
-                    </a:p>
-                  </a:txBody>
-                </a:tc>
-              </a:tr>
-              <a:tr h="0">
-                <a:tc>
-                  <a:txBody>
-                    <a:bodyPr/>
-                    <a:lstStyle/>
-                    <a:p>
-                      <a:pPr lvl="0" indent="0" marL="0" algn="r">
-                        <a:buNone/>
-                      </a:pPr>
-                      <a:r>
-                        <a:rPr/>
-                        <a:t>2005</a:t>
-                      </a:r>
-                    </a:p>
-                  </a:txBody>
-                </a:tc>
-                <a:tc>
-                  <a:txBody>
-                    <a:bodyPr/>
-                    <a:lstStyle/>
-                    <a:p>
-                      <a:pPr lvl="0" indent="0" marL="0" algn="r">
-                        <a:buNone/>
-                      </a:pPr>
-                      <a:r>
-                        <a:rPr/>
-                        <a:t>379.98</a:t>
-                      </a:r>
-                    </a:p>
-                  </a:txBody>
-                </a:tc>
-                <a:tc>
-                  <a:txBody>
-                    <a:bodyPr/>
-                    <a:lstStyle/>
-                    <a:p>
-                      <a:pPr lvl="0" indent="0" marL="0" algn="r">
-                        <a:buNone/>
-                      </a:pPr>
-                      <a:r>
-                        <a:rPr/>
-                        <a:t>0.12</a:t>
-                      </a:r>
-                    </a:p>
-                  </a:txBody>
-                </a:tc>
-              </a:tr>
-              <a:tr h="0">
-                <a:tc>
-                  <a:txBody>
-                    <a:bodyPr/>
-                    <a:lstStyle/>
-                    <a:p>
-                      <a:pPr lvl="0" indent="0" marL="0" algn="r">
-                        <a:buNone/>
-                      </a:pPr>
-                      <a:r>
-                        <a:rPr/>
-                        <a:t>2006</a:t>
-                      </a:r>
-                    </a:p>
-                  </a:txBody>
-                </a:tc>
-                <a:tc>
-                  <a:txBody>
-                    <a:bodyPr/>
-                    <a:lstStyle/>
-                    <a:p>
-                      <a:pPr lvl="0" indent="0" marL="0" algn="r">
-                        <a:buNone/>
-                      </a:pPr>
-                      <a:r>
-                        <a:rPr/>
-                        <a:t>382.09</a:t>
-                      </a:r>
-                    </a:p>
-                  </a:txBody>
-                </a:tc>
-                <a:tc>
-                  <a:txBody>
-                    <a:bodyPr/>
-                    <a:lstStyle/>
-                    <a:p>
-                      <a:pPr lvl="0" indent="0" marL="0" algn="r">
-                        <a:buNone/>
-                      </a:pPr>
-                      <a:r>
-                        <a:rPr/>
-                        <a:t>0.12</a:t>
-                      </a:r>
-                    </a:p>
-                  </a:txBody>
-                </a:tc>
-              </a:tr>
-              <a:tr h="0">
-                <a:tc>
-                  <a:txBody>
-                    <a:bodyPr/>
-                    <a:lstStyle/>
-                    <a:p>
-                      <a:pPr lvl="0" indent="0" marL="0" algn="r">
-                        <a:buNone/>
-                      </a:pPr>
-                      <a:r>
-                        <a:rPr/>
-                        <a:t>2007</a:t>
-                      </a:r>
-                    </a:p>
-                  </a:txBody>
-                </a:tc>
-                <a:tc>
-                  <a:txBody>
-                    <a:bodyPr/>
-                    <a:lstStyle/>
-                    <a:p>
-                      <a:pPr lvl="0" indent="0" marL="0" algn="r">
-                        <a:buNone/>
-                      </a:pPr>
-                      <a:r>
-                        <a:rPr/>
-                        <a:t>384.02</a:t>
-                      </a:r>
-                    </a:p>
-                  </a:txBody>
-                </a:tc>
-                <a:tc>
-                  <a:txBody>
-                    <a:bodyPr/>
-                    <a:lstStyle/>
-                    <a:p>
-                      <a:pPr lvl="0" indent="0" marL="0" algn="r">
-                        <a:buNone/>
-                      </a:pPr>
-                      <a:r>
-                        <a:rPr/>
-                        <a:t>0.12</a:t>
-                      </a:r>
-                    </a:p>
-                  </a:txBody>
-                </a:tc>
-              </a:tr>
-              <a:tr h="0">
-                <a:tc>
-                  <a:txBody>
-                    <a:bodyPr/>
-                    <a:lstStyle/>
-                    <a:p>
-                      <a:pPr lvl="0" indent="0" marL="0" algn="r">
-                        <a:buNone/>
-                      </a:pPr>
-                      <a:r>
-                        <a:rPr/>
-                        <a:t>2008</a:t>
-                      </a:r>
-                    </a:p>
-                  </a:txBody>
-                </a:tc>
-                <a:tc>
-                  <a:txBody>
-                    <a:bodyPr/>
-                    <a:lstStyle/>
-                    <a:p>
-                      <a:pPr lvl="0" indent="0" marL="0" algn="r">
-                        <a:buNone/>
-                      </a:pPr>
-                      <a:r>
-                        <a:rPr/>
-                        <a:t>385.83</a:t>
-                      </a:r>
-                    </a:p>
-                  </a:txBody>
-                </a:tc>
-                <a:tc>
-                  <a:txBody>
-                    <a:bodyPr/>
-                    <a:lstStyle/>
-                    <a:p>
-                      <a:pPr lvl="0" indent="0" marL="0" algn="r">
-                        <a:buNone/>
-                      </a:pPr>
-                      <a:r>
-                        <a:rPr/>
-                        <a:t>0.12</a:t>
-                      </a:r>
-                    </a:p>
-                  </a:txBody>
-                </a:tc>
-              </a:tr>
-              <a:tr h="0">
-                <a:tc>
-                  <a:txBody>
-                    <a:bodyPr/>
-                    <a:lstStyle/>
-                    <a:p>
-                      <a:pPr lvl="0" indent="0" marL="0" algn="r">
-                        <a:buNone/>
-                      </a:pPr>
-                      <a:r>
-                        <a:rPr/>
-                        <a:t>2009</a:t>
-                      </a:r>
-                    </a:p>
-                  </a:txBody>
-                </a:tc>
-                <a:tc>
-                  <a:txBody>
-                    <a:bodyPr/>
-                    <a:lstStyle/>
-                    <a:p>
-                      <a:pPr lvl="0" indent="0" marL="0" algn="r">
-                        <a:buNone/>
-                      </a:pPr>
-                      <a:r>
-                        <a:rPr/>
-                        <a:t>387.64</a:t>
-                      </a:r>
-                    </a:p>
-                  </a:txBody>
-                </a:tc>
-                <a:tc>
-                  <a:txBody>
-                    <a:bodyPr/>
-                    <a:lstStyle/>
-                    <a:p>
-                      <a:pPr lvl="0" indent="0" marL="0" algn="r">
-                        <a:buNone/>
-                      </a:pPr>
-                      <a:r>
-                        <a:rPr/>
-                        <a:t>0.12</a:t>
-                      </a:r>
-                    </a:p>
-                  </a:txBody>
-                </a:tc>
-              </a:tr>
-              <a:tr h="0">
-                <a:tc>
-                  <a:txBody>
-                    <a:bodyPr/>
-                    <a:lstStyle/>
-                    <a:p>
-                      <a:pPr lvl="0" indent="0" marL="0" algn="r">
-                        <a:buNone/>
-                      </a:pPr>
-                      <a:r>
-                        <a:rPr/>
-                        <a:t>2010</a:t>
-                      </a:r>
-                    </a:p>
-                  </a:txBody>
-                </a:tc>
-                <a:tc>
-                  <a:txBody>
-                    <a:bodyPr/>
-                    <a:lstStyle/>
-                    <a:p>
-                      <a:pPr lvl="0" indent="0" marL="0" algn="r">
-                        <a:buNone/>
-                      </a:pPr>
-                      <a:r>
-                        <a:rPr/>
-                        <a:t>390.10</a:t>
-                      </a:r>
-                    </a:p>
-                  </a:txBody>
-                </a:tc>
-                <a:tc>
-                  <a:txBody>
-                    <a:bodyPr/>
-                    <a:lstStyle/>
-                    <a:p>
-                      <a:pPr lvl="0" indent="0" marL="0" algn="r">
-                        <a:buNone/>
-                      </a:pPr>
-                      <a:r>
-                        <a:rPr/>
-                        <a:t>0.12</a:t>
-                      </a:r>
-                    </a:p>
-                  </a:txBody>
-                </a:tc>
-              </a:tr>
-              <a:tr h="0">
-                <a:tc>
-                  <a:txBody>
-                    <a:bodyPr/>
-                    <a:lstStyle/>
-                    <a:p>
-                      <a:pPr lvl="0" indent="0" marL="0" algn="r">
-                        <a:buNone/>
-                      </a:pPr>
-                      <a:r>
-                        <a:rPr/>
-                        <a:t>2011</a:t>
-                      </a:r>
-                    </a:p>
-                  </a:txBody>
-                </a:tc>
-                <a:tc>
-                  <a:txBody>
-                    <a:bodyPr/>
-                    <a:lstStyle/>
-                    <a:p>
-                      <a:pPr lvl="0" indent="0" marL="0" algn="r">
-                        <a:buNone/>
-                      </a:pPr>
-                      <a:r>
-                        <a:rPr/>
-                        <a:t>391.85</a:t>
-                      </a:r>
-                    </a:p>
-                  </a:txBody>
-                </a:tc>
-                <a:tc>
-                  <a:txBody>
-                    <a:bodyPr/>
-                    <a:lstStyle/>
-                    <a:p>
-                      <a:pPr lvl="0" indent="0" marL="0" algn="r">
-                        <a:buNone/>
-                      </a:pPr>
-                      <a:r>
-                        <a:rPr/>
-                        <a:t>0.12</a:t>
-                      </a:r>
-                    </a:p>
-                  </a:txBody>
-                </a:tc>
-              </a:tr>
-              <a:tr h="0">
-                <a:tc>
-                  <a:txBody>
-                    <a:bodyPr/>
-                    <a:lstStyle/>
-                    <a:p>
-                      <a:pPr lvl="0" indent="0" marL="0" algn="r">
-                        <a:buNone/>
-                      </a:pPr>
-                      <a:r>
-                        <a:rPr/>
-                        <a:t>2012</a:t>
-                      </a:r>
-                    </a:p>
-                  </a:txBody>
-                </a:tc>
-                <a:tc>
-                  <a:txBody>
-                    <a:bodyPr/>
-                    <a:lstStyle/>
-                    <a:p>
-                      <a:pPr lvl="0" indent="0" marL="0" algn="r">
-                        <a:buNone/>
-                      </a:pPr>
-                      <a:r>
-                        <a:rPr/>
-                        <a:t>394.06</a:t>
-                      </a:r>
-                    </a:p>
-                  </a:txBody>
-                </a:tc>
-                <a:tc>
-                  <a:txBody>
-                    <a:bodyPr/>
-                    <a:lstStyle/>
-                    <a:p>
-                      <a:pPr lvl="0" indent="0" marL="0" algn="r">
-                        <a:buNone/>
-                      </a:pPr>
-                      <a:r>
-                        <a:rPr/>
-                        <a:t>0.12</a:t>
-                      </a:r>
-                    </a:p>
-                  </a:txBody>
-                </a:tc>
-              </a:tr>
-              <a:tr h="0">
-                <a:tc>
-                  <a:txBody>
-                    <a:bodyPr/>
-                    <a:lstStyle/>
-                    <a:p>
-                      <a:pPr lvl="0" indent="0" marL="0" algn="r">
-                        <a:buNone/>
-                      </a:pPr>
-                      <a:r>
-                        <a:rPr/>
-                        <a:t>2013</a:t>
-                      </a:r>
-                    </a:p>
-                  </a:txBody>
-                </a:tc>
-                <a:tc>
-                  <a:txBody>
-                    <a:bodyPr/>
-                    <a:lstStyle/>
-                    <a:p>
-                      <a:pPr lvl="0" indent="0" marL="0" algn="r">
-                        <a:buNone/>
-                      </a:pPr>
-                      <a:r>
-                        <a:rPr/>
-                        <a:t>396.74</a:t>
-                      </a:r>
-                    </a:p>
-                  </a:txBody>
-                </a:tc>
-                <a:tc>
-                  <a:txBody>
-                    <a:bodyPr/>
-                    <a:lstStyle/>
-                    <a:p>
-                      <a:pPr lvl="0" indent="0" marL="0" algn="r">
-                        <a:buNone/>
-                      </a:pPr>
-                      <a:r>
-                        <a:rPr/>
-                        <a:t>0.12</a:t>
-                      </a:r>
-                    </a:p>
-                  </a:txBody>
-                </a:tc>
-              </a:tr>
-              <a:tr h="0">
-                <a:tc>
-                  <a:txBody>
-                    <a:bodyPr/>
-                    <a:lstStyle/>
-                    <a:p>
-                      <a:pPr lvl="0" indent="0" marL="0" algn="r">
-                        <a:buNone/>
-                      </a:pPr>
-                      <a:r>
-                        <a:rPr/>
-                        <a:t>2014</a:t>
-                      </a:r>
-                    </a:p>
-                  </a:txBody>
-                </a:tc>
-                <a:tc>
-                  <a:txBody>
-                    <a:bodyPr/>
-                    <a:lstStyle/>
-                    <a:p>
-                      <a:pPr lvl="0" indent="0" marL="0" algn="r">
-                        <a:buNone/>
-                      </a:pPr>
-                      <a:r>
-                        <a:rPr/>
-                        <a:t>398.81</a:t>
-                      </a:r>
-                    </a:p>
-                  </a:txBody>
-                </a:tc>
-                <a:tc>
-                  <a:txBody>
-                    <a:bodyPr/>
-                    <a:lstStyle/>
-                    <a:p>
-                      <a:pPr lvl="0" indent="0" marL="0" algn="r">
-                        <a:buNone/>
-                      </a:pPr>
-                      <a:r>
-                        <a:rPr/>
-                        <a:t>0.12</a:t>
-                      </a:r>
-                    </a:p>
-                  </a:txBody>
-                </a:tc>
-              </a:tr>
-              <a:tr h="0">
-                <a:tc>
-                  <a:txBody>
-                    <a:bodyPr/>
-                    <a:lstStyle/>
-                    <a:p>
-                      <a:pPr lvl="0" indent="0" marL="0" algn="r">
-                        <a:buNone/>
-                      </a:pPr>
-                      <a:r>
-                        <a:rPr/>
-                        <a:t>2015</a:t>
-                      </a:r>
-                    </a:p>
-                  </a:txBody>
-                </a:tc>
-                <a:tc>
-                  <a:txBody>
-                    <a:bodyPr/>
-                    <a:lstStyle/>
-                    <a:p>
-                      <a:pPr lvl="0" indent="0" marL="0" algn="r">
-                        <a:buNone/>
-                      </a:pPr>
-                      <a:r>
-                        <a:rPr/>
-                        <a:t>401.01</a:t>
-                      </a:r>
-                    </a:p>
-                  </a:txBody>
-                </a:tc>
-                <a:tc>
-                  <a:txBody>
-                    <a:bodyPr/>
-                    <a:lstStyle/>
-                    <a:p>
-                      <a:pPr lvl="0" indent="0" marL="0" algn="r">
-                        <a:buNone/>
-                      </a:pPr>
-                      <a:r>
-                        <a:rPr/>
-                        <a:t>0.12</a:t>
-                      </a:r>
-                    </a:p>
-                  </a:txBody>
-                </a:tc>
-              </a:tr>
-              <a:tr h="0">
-                <a:tc>
-                  <a:txBody>
-                    <a:bodyPr/>
-                    <a:lstStyle/>
-                    <a:p>
-                      <a:pPr lvl="0" indent="0" marL="0" algn="r">
-                        <a:buNone/>
-                      </a:pPr>
-                      <a:r>
-                        <a:rPr/>
-                        <a:t>2016</a:t>
-                      </a:r>
-                    </a:p>
-                  </a:txBody>
-                </a:tc>
-                <a:tc>
-                  <a:txBody>
-                    <a:bodyPr/>
-                    <a:lstStyle/>
-                    <a:p>
-                      <a:pPr lvl="0" indent="0" marL="0" algn="r">
-                        <a:buNone/>
-                      </a:pPr>
-                      <a:r>
-                        <a:rPr/>
-                        <a:t>404.41</a:t>
-                      </a:r>
-                    </a:p>
-                  </a:txBody>
-                </a:tc>
-                <a:tc>
-                  <a:txBody>
-                    <a:bodyPr/>
-                    <a:lstStyle/>
-                    <a:p>
-                      <a:pPr lvl="0" indent="0" marL="0" algn="r">
-                        <a:buNone/>
-                      </a:pPr>
-                      <a:r>
-                        <a:rPr/>
-                        <a:t>0.12</a:t>
-                      </a:r>
-                    </a:p>
-                  </a:txBody>
-                </a:tc>
-              </a:tr>
-              <a:tr h="0">
-                <a:tc>
-                  <a:txBody>
-                    <a:bodyPr/>
-                    <a:lstStyle/>
-                    <a:p>
-                      <a:pPr lvl="0" indent="0" marL="0" algn="r">
-                        <a:buNone/>
-                      </a:pPr>
-                      <a:r>
-                        <a:rPr/>
-                        <a:t>2017</a:t>
-                      </a:r>
-                    </a:p>
-                  </a:txBody>
-                </a:tc>
-                <a:tc>
-                  <a:txBody>
-                    <a:bodyPr/>
-                    <a:lstStyle/>
-                    <a:p>
-                      <a:pPr lvl="0" indent="0" marL="0" algn="r">
-                        <a:buNone/>
-                      </a:pPr>
-                      <a:r>
-                        <a:rPr/>
-                        <a:t>406.76</a:t>
-                      </a:r>
-                    </a:p>
-                  </a:txBody>
-                </a:tc>
-                <a:tc>
-                  <a:txBody>
-                    <a:bodyPr/>
-                    <a:lstStyle/>
-                    <a:p>
-                      <a:pPr lvl="0" indent="0" marL="0" algn="r">
-                        <a:buNone/>
-                      </a:pPr>
-                      <a:r>
-                        <a:rPr/>
-                        <a:t>0.12</a:t>
+                        <a:t>411.66</a:t>
                       </a:r>
                     </a:p>
                   </a:txBody>
@@ -6673,21 +4137,6 @@
                     </a:p>
                   </a:txBody>
                 </a:tc>
-                <a:tc>
-                  <a:txBody>
-                    <a:bodyPr/>
-                    <a:lstStyle/>
-                    <a:p>
-                      <a:pPr lvl="0" indent="0" marL="0" algn="r">
-                        <a:buNone/>
-                      </a:pPr>
-                      <a:r>
-                        <a:rPr/>
-                        <a:t>0.12</a:t>
-                      </a:r>
-                    </a:p>
-                  </a:txBody>
-                </a:tc>
               </a:tr>
               <a:tr h="0">
                 <a:tc>
@@ -6700,7 +4149,7 @@
                       </a:pPr>
                       <a:r>
                         <a:rPr/>
-                        <a:t>2019</a:t>
+                        <a:t>2017</a:t>
                       </a:r>
                     </a:p>
                   </a:txBody>
@@ -6715,116 +4164,7 @@
                       </a:pPr>
                       <a:r>
                         <a:rPr/>
-                        <a:t>411.66</a:t>
-                      </a:r>
-                    </a:p>
-                  </a:txBody>
-                </a:tc>
-                <a:tc>
-                  <a:txBody>
-                    <a:bodyPr/>
-                    <a:lstStyle/>
-                    <a:p>
-                      <a:pPr lvl="0" indent="0" marL="0" algn="r">
-                        <a:buNone/>
-                      </a:pPr>
-                      <a:r>
-                        <a:rPr/>
-                        <a:t>0.12</a:t>
-                      </a:r>
-                    </a:p>
-                  </a:txBody>
-                </a:tc>
-              </a:tr>
-              <a:tr h="0">
-                <a:tc>
-                  <a:txBody>
-                    <a:bodyPr/>
-                    <a:lstStyle/>
-                    <a:p>
-                      <a:pPr lvl="0" indent="0" marL="0" algn="r">
-                        <a:buNone/>
-                      </a:pPr>
-                      <a:r>
-                        <a:rPr/>
-                        <a:t>2020</a:t>
-                      </a:r>
-                    </a:p>
-                  </a:txBody>
-                </a:tc>
-                <a:tc>
-                  <a:txBody>
-                    <a:bodyPr/>
-                    <a:lstStyle/>
-                    <a:p>
-                      <a:pPr lvl="0" indent="0" marL="0" algn="r">
-                        <a:buNone/>
-                      </a:pPr>
-                      <a:r>
-                        <a:rPr/>
-                        <a:t>414.24</a:t>
-                      </a:r>
-                    </a:p>
-                  </a:txBody>
-                </a:tc>
-                <a:tc>
-                  <a:txBody>
-                    <a:bodyPr/>
-                    <a:lstStyle/>
-                    <a:p>
-                      <a:pPr lvl="0" indent="0" marL="0" algn="r">
-                        <a:buNone/>
-                      </a:pPr>
-                      <a:r>
-                        <a:rPr/>
-                        <a:t>0.12</a:t>
-                      </a:r>
-                    </a:p>
-                  </a:txBody>
-                </a:tc>
-              </a:tr>
-              <a:tr h="0">
-                <a:tc>
-                  <a:txBody>
-                    <a:bodyPr/>
-                    <a:lstStyle/>
-                    <a:p>
-                      <a:pPr lvl="0" indent="0" marL="0" algn="r">
-                        <a:buNone/>
-                      </a:pPr>
-                      <a:r>
-                        <a:rPr/>
-                        <a:t>2021</a:t>
-                      </a:r>
-                    </a:p>
-                  </a:txBody>
-                </a:tc>
-                <a:tc>
-                  <a:txBody>
-                    <a:bodyPr/>
-                    <a:lstStyle/>
-                    <a:p>
-                      <a:pPr lvl="0" indent="0" marL="0" algn="r">
-                        <a:buNone/>
-                      </a:pPr>
-                      <a:r>
-                        <a:rPr/>
-                        <a:t>416.45</a:t>
-                      </a:r>
-                    </a:p>
-                  </a:txBody>
-                </a:tc>
-                <a:tc>
-                  <a:txBody>
-                    <a:bodyPr/>
-                    <a:lstStyle/>
-                    <a:p>
-                      <a:pPr lvl="0" indent="0" marL="0" algn="r">
-                        <a:buNone/>
-                      </a:pPr>
-                      <a:r>
-                        <a:rPr/>
-                        <a:t>0.12</a:t>
+                        <a:t>406.76</a:t>
                       </a:r>
                     </a:p>
                   </a:txBody>
